--- a/asset/조효민 포트폴리오.pptx
+++ b/asset/조효민 포트폴리오.pptx
@@ -211,7 +211,7 @@
           <a:p>
             <a:fld id="{4B0C3AFD-3BD1-487F-8618-E92E50A4F940}" type="datetimeFigureOut">
               <a:rPr lang="ko-KR" altLang="en-US" smtClean="0"/>
-              <a:t>2022-10-05</a:t>
+              <a:t>2022-10-07</a:t>
             </a:fld>
             <a:endParaRPr lang="ko-KR" altLang="en-US"/>
           </a:p>
@@ -376,7 +376,7 @@
           <a:p>
             <a:fld id="{41A8E35C-0241-43F9-BEFA-DFA5478B9139}" type="datetimeFigureOut">
               <a:rPr lang="ko-KR" altLang="en-US" smtClean="0"/>
-              <a:t>2022-10-05</a:t>
+              <a:t>2022-10-07</a:t>
             </a:fld>
             <a:endParaRPr lang="ko-KR" altLang="en-US"/>
           </a:p>
@@ -1783,7 +1783,7 @@
           <a:p>
             <a:fld id="{DDE5DEAE-9FA4-4319-8DD6-2DB6F2B33700}" type="datetimeFigureOut">
               <a:rPr lang="ko-KR" altLang="en-US" smtClean="0"/>
-              <a:t>2022-10-05</a:t>
+              <a:t>2022-10-07</a:t>
             </a:fld>
             <a:endParaRPr lang="ko-KR" altLang="en-US"/>
           </a:p>
@@ -1953,7 +1953,7 @@
           <a:p>
             <a:fld id="{DDE5DEAE-9FA4-4319-8DD6-2DB6F2B33700}" type="datetimeFigureOut">
               <a:rPr lang="ko-KR" altLang="en-US" smtClean="0"/>
-              <a:t>2022-10-05</a:t>
+              <a:t>2022-10-07</a:t>
             </a:fld>
             <a:endParaRPr lang="ko-KR" altLang="en-US"/>
           </a:p>
@@ -2133,7 +2133,7 @@
           <a:p>
             <a:fld id="{DDE5DEAE-9FA4-4319-8DD6-2DB6F2B33700}" type="datetimeFigureOut">
               <a:rPr lang="ko-KR" altLang="en-US" smtClean="0"/>
-              <a:t>2022-10-05</a:t>
+              <a:t>2022-10-07</a:t>
             </a:fld>
             <a:endParaRPr lang="ko-KR" altLang="en-US"/>
           </a:p>
@@ -2303,7 +2303,7 @@
           <a:p>
             <a:fld id="{DDE5DEAE-9FA4-4319-8DD6-2DB6F2B33700}" type="datetimeFigureOut">
               <a:rPr lang="ko-KR" altLang="en-US" smtClean="0"/>
-              <a:t>2022-10-05</a:t>
+              <a:t>2022-10-07</a:t>
             </a:fld>
             <a:endParaRPr lang="ko-KR" altLang="en-US"/>
           </a:p>
@@ -2549,7 +2549,7 @@
           <a:p>
             <a:fld id="{DDE5DEAE-9FA4-4319-8DD6-2DB6F2B33700}" type="datetimeFigureOut">
               <a:rPr lang="ko-KR" altLang="en-US" smtClean="0"/>
-              <a:t>2022-10-05</a:t>
+              <a:t>2022-10-07</a:t>
             </a:fld>
             <a:endParaRPr lang="ko-KR" altLang="en-US"/>
           </a:p>
@@ -2781,7 +2781,7 @@
           <a:p>
             <a:fld id="{DDE5DEAE-9FA4-4319-8DD6-2DB6F2B33700}" type="datetimeFigureOut">
               <a:rPr lang="ko-KR" altLang="en-US" smtClean="0"/>
-              <a:t>2022-10-05</a:t>
+              <a:t>2022-10-07</a:t>
             </a:fld>
             <a:endParaRPr lang="ko-KR" altLang="en-US"/>
           </a:p>
@@ -3148,7 +3148,7 @@
           <a:p>
             <a:fld id="{DDE5DEAE-9FA4-4319-8DD6-2DB6F2B33700}" type="datetimeFigureOut">
               <a:rPr lang="ko-KR" altLang="en-US" smtClean="0"/>
-              <a:t>2022-10-05</a:t>
+              <a:t>2022-10-07</a:t>
             </a:fld>
             <a:endParaRPr lang="ko-KR" altLang="en-US"/>
           </a:p>
@@ -3266,7 +3266,7 @@
           <a:p>
             <a:fld id="{DDE5DEAE-9FA4-4319-8DD6-2DB6F2B33700}" type="datetimeFigureOut">
               <a:rPr lang="ko-KR" altLang="en-US" smtClean="0"/>
-              <a:t>2022-10-05</a:t>
+              <a:t>2022-10-07</a:t>
             </a:fld>
             <a:endParaRPr lang="ko-KR" altLang="en-US"/>
           </a:p>
@@ -3361,7 +3361,7 @@
           <a:p>
             <a:fld id="{DDE5DEAE-9FA4-4319-8DD6-2DB6F2B33700}" type="datetimeFigureOut">
               <a:rPr lang="ko-KR" altLang="en-US" smtClean="0"/>
-              <a:t>2022-10-05</a:t>
+              <a:t>2022-10-07</a:t>
             </a:fld>
             <a:endParaRPr lang="ko-KR" altLang="en-US"/>
           </a:p>
@@ -3638,7 +3638,7 @@
           <a:p>
             <a:fld id="{DDE5DEAE-9FA4-4319-8DD6-2DB6F2B33700}" type="datetimeFigureOut">
               <a:rPr lang="ko-KR" altLang="en-US" smtClean="0"/>
-              <a:t>2022-10-05</a:t>
+              <a:t>2022-10-07</a:t>
             </a:fld>
             <a:endParaRPr lang="ko-KR" altLang="en-US"/>
           </a:p>
@@ -3891,7 +3891,7 @@
           <a:p>
             <a:fld id="{DDE5DEAE-9FA4-4319-8DD6-2DB6F2B33700}" type="datetimeFigureOut">
               <a:rPr lang="ko-KR" altLang="en-US" smtClean="0"/>
-              <a:t>2022-10-05</a:t>
+              <a:t>2022-10-07</a:t>
             </a:fld>
             <a:endParaRPr lang="ko-KR" altLang="en-US"/>
           </a:p>
@@ -4104,7 +4104,7 @@
           <a:p>
             <a:fld id="{DDE5DEAE-9FA4-4319-8DD6-2DB6F2B33700}" type="datetimeFigureOut">
               <a:rPr lang="ko-KR" altLang="en-US" smtClean="0"/>
-              <a:t>2022-10-05</a:t>
+              <a:t>2022-10-07</a:t>
             </a:fld>
             <a:endParaRPr lang="ko-KR" altLang="en-US"/>
           </a:p>
@@ -5474,7 +5474,7 @@
       </p:grpSpPr>
       <p:pic>
         <p:nvPicPr>
-          <p:cNvPr id="2" name="그림 1"/>
+          <p:cNvPr id="3" name="그림 2"/>
           <p:cNvPicPr>
             <a:picLocks noChangeAspect="1"/>
           </p:cNvPicPr>
@@ -5488,8 +5488,8 @@
         </p:blipFill>
         <p:spPr>
           <a:xfrm>
-            <a:off x="0" y="83127"/>
-            <a:ext cx="12113637" cy="6591993"/>
+            <a:off x="-393702" y="-1"/>
+            <a:ext cx="13064136" cy="6858001"/>
           </a:xfrm>
           <a:prstGeom prst="rect">
             <a:avLst/>

--- a/asset/조효민 포트폴리오.pptx
+++ b/asset/조효민 포트폴리오.pptx
@@ -211,7 +211,7 @@
           <a:p>
             <a:fld id="{4B0C3AFD-3BD1-487F-8618-E92E50A4F940}" type="datetimeFigureOut">
               <a:rPr lang="ko-KR" altLang="en-US" smtClean="0"/>
-              <a:t>2022-10-07</a:t>
+              <a:t>2022-10-13</a:t>
             </a:fld>
             <a:endParaRPr lang="ko-KR" altLang="en-US"/>
           </a:p>
@@ -376,7 +376,7 @@
           <a:p>
             <a:fld id="{41A8E35C-0241-43F9-BEFA-DFA5478B9139}" type="datetimeFigureOut">
               <a:rPr lang="ko-KR" altLang="en-US" smtClean="0"/>
-              <a:t>2022-10-07</a:t>
+              <a:t>2022-10-13</a:t>
             </a:fld>
             <a:endParaRPr lang="ko-KR" altLang="en-US"/>
           </a:p>
@@ -1783,7 +1783,7 @@
           <a:p>
             <a:fld id="{DDE5DEAE-9FA4-4319-8DD6-2DB6F2B33700}" type="datetimeFigureOut">
               <a:rPr lang="ko-KR" altLang="en-US" smtClean="0"/>
-              <a:t>2022-10-07</a:t>
+              <a:t>2022-10-13</a:t>
             </a:fld>
             <a:endParaRPr lang="ko-KR" altLang="en-US"/>
           </a:p>
@@ -1953,7 +1953,7 @@
           <a:p>
             <a:fld id="{DDE5DEAE-9FA4-4319-8DD6-2DB6F2B33700}" type="datetimeFigureOut">
               <a:rPr lang="ko-KR" altLang="en-US" smtClean="0"/>
-              <a:t>2022-10-07</a:t>
+              <a:t>2022-10-13</a:t>
             </a:fld>
             <a:endParaRPr lang="ko-KR" altLang="en-US"/>
           </a:p>
@@ -2133,7 +2133,7 @@
           <a:p>
             <a:fld id="{DDE5DEAE-9FA4-4319-8DD6-2DB6F2B33700}" type="datetimeFigureOut">
               <a:rPr lang="ko-KR" altLang="en-US" smtClean="0"/>
-              <a:t>2022-10-07</a:t>
+              <a:t>2022-10-13</a:t>
             </a:fld>
             <a:endParaRPr lang="ko-KR" altLang="en-US"/>
           </a:p>
@@ -2303,7 +2303,7 @@
           <a:p>
             <a:fld id="{DDE5DEAE-9FA4-4319-8DD6-2DB6F2B33700}" type="datetimeFigureOut">
               <a:rPr lang="ko-KR" altLang="en-US" smtClean="0"/>
-              <a:t>2022-10-07</a:t>
+              <a:t>2022-10-13</a:t>
             </a:fld>
             <a:endParaRPr lang="ko-KR" altLang="en-US"/>
           </a:p>
@@ -2549,7 +2549,7 @@
           <a:p>
             <a:fld id="{DDE5DEAE-9FA4-4319-8DD6-2DB6F2B33700}" type="datetimeFigureOut">
               <a:rPr lang="ko-KR" altLang="en-US" smtClean="0"/>
-              <a:t>2022-10-07</a:t>
+              <a:t>2022-10-13</a:t>
             </a:fld>
             <a:endParaRPr lang="ko-KR" altLang="en-US"/>
           </a:p>
@@ -2781,7 +2781,7 @@
           <a:p>
             <a:fld id="{DDE5DEAE-9FA4-4319-8DD6-2DB6F2B33700}" type="datetimeFigureOut">
               <a:rPr lang="ko-KR" altLang="en-US" smtClean="0"/>
-              <a:t>2022-10-07</a:t>
+              <a:t>2022-10-13</a:t>
             </a:fld>
             <a:endParaRPr lang="ko-KR" altLang="en-US"/>
           </a:p>
@@ -3148,7 +3148,7 @@
           <a:p>
             <a:fld id="{DDE5DEAE-9FA4-4319-8DD6-2DB6F2B33700}" type="datetimeFigureOut">
               <a:rPr lang="ko-KR" altLang="en-US" smtClean="0"/>
-              <a:t>2022-10-07</a:t>
+              <a:t>2022-10-13</a:t>
             </a:fld>
             <a:endParaRPr lang="ko-KR" altLang="en-US"/>
           </a:p>
@@ -3266,7 +3266,7 @@
           <a:p>
             <a:fld id="{DDE5DEAE-9FA4-4319-8DD6-2DB6F2B33700}" type="datetimeFigureOut">
               <a:rPr lang="ko-KR" altLang="en-US" smtClean="0"/>
-              <a:t>2022-10-07</a:t>
+              <a:t>2022-10-13</a:t>
             </a:fld>
             <a:endParaRPr lang="ko-KR" altLang="en-US"/>
           </a:p>
@@ -3361,7 +3361,7 @@
           <a:p>
             <a:fld id="{DDE5DEAE-9FA4-4319-8DD6-2DB6F2B33700}" type="datetimeFigureOut">
               <a:rPr lang="ko-KR" altLang="en-US" smtClean="0"/>
-              <a:t>2022-10-07</a:t>
+              <a:t>2022-10-13</a:t>
             </a:fld>
             <a:endParaRPr lang="ko-KR" altLang="en-US"/>
           </a:p>
@@ -3638,7 +3638,7 @@
           <a:p>
             <a:fld id="{DDE5DEAE-9FA4-4319-8DD6-2DB6F2B33700}" type="datetimeFigureOut">
               <a:rPr lang="ko-KR" altLang="en-US" smtClean="0"/>
-              <a:t>2022-10-07</a:t>
+              <a:t>2022-10-13</a:t>
             </a:fld>
             <a:endParaRPr lang="ko-KR" altLang="en-US"/>
           </a:p>
@@ -3891,7 +3891,7 @@
           <a:p>
             <a:fld id="{DDE5DEAE-9FA4-4319-8DD6-2DB6F2B33700}" type="datetimeFigureOut">
               <a:rPr lang="ko-KR" altLang="en-US" smtClean="0"/>
-              <a:t>2022-10-07</a:t>
+              <a:t>2022-10-13</a:t>
             </a:fld>
             <a:endParaRPr lang="ko-KR" altLang="en-US"/>
           </a:p>
@@ -4104,7 +4104,7 @@
           <a:p>
             <a:fld id="{DDE5DEAE-9FA4-4319-8DD6-2DB6F2B33700}" type="datetimeFigureOut">
               <a:rPr lang="ko-KR" altLang="en-US" smtClean="0"/>
-              <a:t>2022-10-07</a:t>
+              <a:t>2022-10-13</a:t>
             </a:fld>
             <a:endParaRPr lang="ko-KR" altLang="en-US"/>
           </a:p>
@@ -5413,7 +5413,7 @@
       </p:grpSpPr>
       <p:pic>
         <p:nvPicPr>
-          <p:cNvPr id="4" name="그림 3"/>
+          <p:cNvPr id="2" name="그림 1"/>
           <p:cNvPicPr>
             <a:picLocks noChangeAspect="1"/>
           </p:cNvPicPr>
@@ -5427,8 +5427,8 @@
         </p:blipFill>
         <p:spPr>
           <a:xfrm>
-            <a:off x="23277" y="407324"/>
-            <a:ext cx="12168723" cy="5937971"/>
+            <a:off x="0" y="-67733"/>
+            <a:ext cx="12806743" cy="6753937"/>
           </a:xfrm>
           <a:prstGeom prst="rect">
             <a:avLst/>
